--- a/Tutorial9/tutorial9.pptx
+++ b/Tutorial9/tutorial9.pptx
@@ -9967,94 +9967,225 @@
         </p:nvSpPr>
         <p:spPr>
           <a:xfrm>
-            <a:off x="838200" y="3310523"/>
-            <a:ext cx="10515600" cy="2374844"/>
+            <a:off x="273269" y="3310523"/>
+            <a:ext cx="11080531" cy="2374844"/>
           </a:xfrm>
         </p:spPr>
         <p:txBody>
-          <a:bodyPr/>
+          <a:bodyPr>
+            <a:normAutofit fontScale="40000" lnSpcReduction="20000"/>
+          </a:bodyPr>
           <a:lstStyle/>
           <a:p>
             <a:pPr marL="0" indent="0">
               <a:buNone/>
             </a:pPr>
             <a:r>
-              <a:rPr lang="en-US" b="1" dirty="0"/>
-              <a:t>Link:</a:t>
+              <a:rPr lang="en-IN" sz="2600" b="0" dirty="0">
+                <a:effectLst/>
+                <a:highlight>
+                  <a:srgbClr val="C0C0C0"/>
+                </a:highlight>
+                <a:latin typeface="Menlo" panose="020B0609030804020204" pitchFamily="49" charset="0"/>
+              </a:rPr>
+              <a:t>import requests</a:t>
             </a:r>
           </a:p>
           <a:p>
             <a:pPr marL="0" indent="0">
               <a:buNone/>
             </a:pPr>
-            <a:r>
-              <a:rPr lang="en-US" b="1" dirty="0">
+            <a:br>
+              <a:rPr lang="en-IN" sz="2600" b="0" dirty="0">
+                <a:effectLst/>
                 <a:highlight>
-                  <a:srgbClr val="FFFF00"/>
+                  <a:srgbClr val="C0C0C0"/>
                 </a:highlight>
+                <a:latin typeface="Menlo" panose="020B0609030804020204" pitchFamily="49" charset="0"/>
               </a:rPr>
-              <a:t>https://</a:t>
-            </a:r>
-            <a:r>
-              <a:rPr lang="en-US" b="1" dirty="0" err="1">
+            </a:br>
+            <a:r>
+              <a:rPr lang="en-IN" sz="2600" b="0" dirty="0">
+                <a:effectLst/>
                 <a:highlight>
-                  <a:srgbClr val="FFFF00"/>
+                  <a:srgbClr val="C0C0C0"/>
                 </a:highlight>
+                <a:latin typeface="Menlo" panose="020B0609030804020204" pitchFamily="49" charset="0"/>
               </a:rPr>
-              <a:t>www.elastic.co</a:t>
-            </a:r>
-            <a:r>
-              <a:rPr lang="en-US" b="1" dirty="0">
+              <a:t>response=</a:t>
+            </a:r>
+            <a:r>
+              <a:rPr lang="en-IN" sz="2600" b="0" dirty="0" err="1">
+                <a:effectLst/>
                 <a:highlight>
-                  <a:srgbClr val="FFFF00"/>
+                  <a:srgbClr val="C0C0C0"/>
                 </a:highlight>
+                <a:latin typeface="Menlo" panose="020B0609030804020204" pitchFamily="49" charset="0"/>
               </a:rPr>
-              <a:t>/guide/</a:t>
-            </a:r>
-            <a:r>
-              <a:rPr lang="en-US" b="1" dirty="0" err="1">
+              <a:t>requests.get</a:t>
+            </a:r>
+            <a:r>
+              <a:rPr lang="en-IN" sz="2600" b="0" dirty="0">
+                <a:effectLst/>
                 <a:highlight>
-                  <a:srgbClr val="FFFF00"/>
+                  <a:srgbClr val="C0C0C0"/>
                 </a:highlight>
+                <a:latin typeface="Menlo" panose="020B0609030804020204" pitchFamily="49" charset="0"/>
               </a:rPr>
-              <a:t>en</a:t>
-            </a:r>
-            <a:r>
-              <a:rPr lang="en-US" b="1" dirty="0">
+              <a:t>("http://localhost:9200/</a:t>
+            </a:r>
+            <a:r>
+              <a:rPr lang="en-IN" sz="2600" b="0" dirty="0" err="1">
+                <a:effectLst/>
                 <a:highlight>
-                  <a:srgbClr val="FFFF00"/>
+                  <a:srgbClr val="C0C0C0"/>
                 </a:highlight>
+                <a:latin typeface="Menlo" panose="020B0609030804020204" pitchFamily="49" charset="0"/>
               </a:rPr>
-              <a:t>/</a:t>
-            </a:r>
-            <a:r>
-              <a:rPr lang="en-US" b="1" dirty="0" err="1">
+              <a:t>test_index_using_api</a:t>
+            </a:r>
+            <a:r>
+              <a:rPr lang="en-IN" sz="2600" b="0" dirty="0">
+                <a:effectLst/>
                 <a:highlight>
-                  <a:srgbClr val="FFFF00"/>
+                  <a:srgbClr val="C0C0C0"/>
                 </a:highlight>
+                <a:latin typeface="Menlo" panose="020B0609030804020204" pitchFamily="49" charset="0"/>
               </a:rPr>
-              <a:t>elasticsearch</a:t>
-            </a:r>
-            <a:r>
-              <a:rPr lang="en-US" b="1" dirty="0">
+              <a:t>/_doc/100000?_source=</a:t>
+            </a:r>
+            <a:r>
+              <a:rPr lang="en-IN" sz="2600" b="0" dirty="0" err="1">
+                <a:effectLst/>
                 <a:highlight>
-                  <a:srgbClr val="FFFF00"/>
+                  <a:srgbClr val="C0C0C0"/>
                 </a:highlight>
+                <a:latin typeface="Menlo" panose="020B0609030804020204" pitchFamily="49" charset="0"/>
               </a:rPr>
-              <a:t>/reference/current/rest-</a:t>
-            </a:r>
-            <a:r>
-              <a:rPr lang="en-US" b="1" dirty="0" err="1">
+              <a:t>false&amp;pretty</a:t>
+            </a:r>
+            <a:r>
+              <a:rPr lang="en-IN" sz="2600" b="0" dirty="0">
+                <a:effectLst/>
                 <a:highlight>
-                  <a:srgbClr val="FFFF00"/>
+                  <a:srgbClr val="C0C0C0"/>
                 </a:highlight>
+                <a:latin typeface="Menlo" panose="020B0609030804020204" pitchFamily="49" charset="0"/>
               </a:rPr>
-              <a:t>apis.html</a:t>
-            </a:r>
-            <a:endParaRPr lang="en-US" b="1" dirty="0">
-              <a:highlight>
-                <a:srgbClr val="FFFF00"/>
-              </a:highlight>
+              <a:t>",auth=("elastic", "9R-bViTHVn8xp_wJtDPh"))</a:t>
+            </a:r>
+          </a:p>
+          <a:p>
+            <a:pPr marL="0" indent="0">
+              <a:buNone/>
+            </a:pPr>
+            <a:r>
+              <a:rPr lang="en-IN" sz="2600" b="0" dirty="0">
+                <a:effectLst/>
+                <a:highlight>
+                  <a:srgbClr val="C0C0C0"/>
+                </a:highlight>
+                <a:latin typeface="Menlo" panose="020B0609030804020204" pitchFamily="49" charset="0"/>
+              </a:rPr>
+              <a:t>found=</a:t>
+            </a:r>
+            <a:r>
+              <a:rPr lang="en-IN" sz="2600" b="0" dirty="0" err="1">
+                <a:effectLst/>
+                <a:highlight>
+                  <a:srgbClr val="C0C0C0"/>
+                </a:highlight>
+                <a:latin typeface="Menlo" panose="020B0609030804020204" pitchFamily="49" charset="0"/>
+              </a:rPr>
+              <a:t>response.json</a:t>
+            </a:r>
+            <a:r>
+              <a:rPr lang="en-IN" sz="2600" b="0" dirty="0">
+                <a:effectLst/>
+                <a:highlight>
+                  <a:srgbClr val="C0C0C0"/>
+                </a:highlight>
+                <a:latin typeface="Menlo" panose="020B0609030804020204" pitchFamily="49" charset="0"/>
+              </a:rPr>
+              <a:t>()["found"]</a:t>
+            </a:r>
+          </a:p>
+          <a:p>
+            <a:pPr marL="0" indent="0">
+              <a:buNone/>
+            </a:pPr>
+            <a:r>
+              <a:rPr lang="en-IN" sz="2600" b="0" dirty="0">
+                <a:effectLst/>
+                <a:highlight>
+                  <a:srgbClr val="C0C0C0"/>
+                </a:highlight>
+                <a:latin typeface="Menlo" panose="020B0609030804020204" pitchFamily="49" charset="0"/>
+              </a:rPr>
+              <a:t>if found:</a:t>
+            </a:r>
+          </a:p>
+          <a:p>
+            <a:pPr marL="0" indent="0">
+              <a:buNone/>
+            </a:pPr>
+            <a:r>
+              <a:rPr lang="en-IN" sz="2600" b="0" dirty="0">
+                <a:effectLst/>
+                <a:highlight>
+                  <a:srgbClr val="C0C0C0"/>
+                </a:highlight>
+                <a:latin typeface="Menlo" panose="020B0609030804020204" pitchFamily="49" charset="0"/>
+              </a:rPr>
+              <a:t>print("doc id is present")</a:t>
+            </a:r>
+          </a:p>
+          <a:p>
+            <a:pPr marL="0" indent="0">
+              <a:buNone/>
+            </a:pPr>
+            <a:r>
+              <a:rPr lang="en-IN" sz="2600" b="0" dirty="0">
+                <a:effectLst/>
+                <a:highlight>
+                  <a:srgbClr val="C0C0C0"/>
+                </a:highlight>
+                <a:latin typeface="Menlo" panose="020B0609030804020204" pitchFamily="49" charset="0"/>
+              </a:rPr>
+              <a:t>else:</a:t>
+            </a:r>
+          </a:p>
+          <a:p>
+            <a:pPr marL="0" indent="0">
+              <a:buNone/>
+            </a:pPr>
+            <a:r>
+              <a:rPr lang="en-IN" sz="2600" b="0" dirty="0">
+                <a:effectLst/>
+                <a:highlight>
+                  <a:srgbClr val="C0C0C0"/>
+                </a:highlight>
+                <a:latin typeface="Menlo" panose="020B0609030804020204" pitchFamily="49" charset="0"/>
+              </a:rPr>
+              <a:t>print("doc id is not present")</a:t>
+            </a:r>
+          </a:p>
+          <a:p>
+            <a:br>
+              <a:rPr lang="en-IN" b="0" dirty="0">
+                <a:solidFill>
+                  <a:srgbClr val="D4D4D4"/>
+                </a:solidFill>
+                <a:effectLst/>
+                <a:latin typeface="Menlo" panose="020B0609030804020204" pitchFamily="49" charset="0"/>
+              </a:rPr>
+            </a:br>
+            <a:endParaRPr lang="en-IN" b="0" dirty="0">
+              <a:solidFill>
+                <a:srgbClr val="D4D4D4"/>
+              </a:solidFill>
+              <a:effectLst/>
+              <a:latin typeface="Menlo" panose="020B0609030804020204" pitchFamily="49" charset="0"/>
             </a:endParaRPr>
           </a:p>
         </p:txBody>
